--- a/Club Meetings 2023/Meeting 08 - August 06 2023/Sharing.pptx
+++ b/Club Meetings 2023/Meeting 08 - August 06 2023/Sharing.pptx
@@ -115,6 +115,11 @@
       </a:defRPr>
     </a:lvl9pPr>
   </p:defaultTextStyle>
+  <p:extLst>
+    <p:ext uri="{EFAFB233-063F-42B5-8137-9DF3F51BA10A}">
+      <p15:sldGuideLst xmlns:p15="http://schemas.microsoft.com/office/powerpoint/2012/main"/>
+    </p:ext>
+  </p:extLst>
 </p:presentation>
 </file>
 
@@ -3520,6 +3525,775 @@
           </a:p>
         </p:txBody>
       </p:sp>
+      <p:pic>
+        <p:nvPicPr>
+          <p:cNvPr id="5" name="Picture 4">
+            <a:extLst>
+              <a:ext uri="{FF2B5EF4-FFF2-40B4-BE49-F238E27FC236}">
+                <a16:creationId xmlns:a16="http://schemas.microsoft.com/office/drawing/2014/main" id="{6D8E359D-A860-C944-41B6-295566D1F51D}"/>
+              </a:ext>
+            </a:extLst>
+          </p:cNvPr>
+          <p:cNvPicPr>
+            <a:picLocks noChangeAspect="1"/>
+          </p:cNvPicPr>
+          <p:nvPr/>
+        </p:nvPicPr>
+        <p:blipFill>
+          <a:blip r:embed="rId3"/>
+          <a:stretch>
+            <a:fillRect/>
+          </a:stretch>
+        </p:blipFill>
+        <p:spPr>
+          <a:xfrm>
+            <a:off x="6222881" y="1252826"/>
+            <a:ext cx="4179468" cy="2978983"/>
+          </a:xfrm>
+          <a:prstGeom prst="rect">
+            <a:avLst/>
+          </a:prstGeom>
+        </p:spPr>
+      </p:pic>
+      <p:grpSp>
+        <p:nvGrpSpPr>
+          <p:cNvPr id="8" name="Group 7">
+            <a:extLst>
+              <a:ext uri="{FF2B5EF4-FFF2-40B4-BE49-F238E27FC236}">
+                <a16:creationId xmlns:a16="http://schemas.microsoft.com/office/drawing/2014/main" id="{5A86F216-812B-4B22-35DE-751F512E414A}"/>
+              </a:ext>
+            </a:extLst>
+          </p:cNvPr>
+          <p:cNvGrpSpPr/>
+          <p:nvPr/>
+        </p:nvGrpSpPr>
+        <p:grpSpPr>
+          <a:xfrm>
+            <a:off x="3858937" y="1904301"/>
+            <a:ext cx="4084097" cy="1524699"/>
+            <a:chOff x="3858937" y="1904301"/>
+            <a:chExt cx="4084097" cy="1524699"/>
+          </a:xfrm>
+        </p:grpSpPr>
+        <p:sp>
+          <p:nvSpPr>
+            <p:cNvPr id="6" name="TextBox 5">
+              <a:extLst>
+                <a:ext uri="{FF2B5EF4-FFF2-40B4-BE49-F238E27FC236}">
+                  <a16:creationId xmlns:a16="http://schemas.microsoft.com/office/drawing/2014/main" id="{CC2EAE75-11B3-3623-2626-121ADE9350A6}"/>
+                </a:ext>
+              </a:extLst>
+            </p:cNvPr>
+            <p:cNvSpPr txBox="1"/>
+            <p:nvPr/>
+          </p:nvSpPr>
+          <p:spPr>
+            <a:xfrm>
+              <a:off x="3858937" y="1904301"/>
+              <a:ext cx="301686" cy="369332"/>
+            </a:xfrm>
+            <a:prstGeom prst="rect">
+              <a:avLst/>
+            </a:prstGeom>
+            <a:solidFill>
+              <a:srgbClr val="FFC000"/>
+            </a:solidFill>
+          </p:spPr>
+          <p:txBody>
+            <a:bodyPr wrap="none" rtlCol="0">
+              <a:spAutoFit/>
+            </a:bodyPr>
+            <a:lstStyle/>
+            <a:p>
+              <a:r>
+                <a:rPr lang="en-US" dirty="0"/>
+                <a:t>1</a:t>
+              </a:r>
+              <a:endParaRPr lang="en-SG" dirty="0"/>
+            </a:p>
+          </p:txBody>
+        </p:sp>
+        <p:sp>
+          <p:nvSpPr>
+            <p:cNvPr id="7" name="TextBox 6">
+              <a:extLst>
+                <a:ext uri="{FF2B5EF4-FFF2-40B4-BE49-F238E27FC236}">
+                  <a16:creationId xmlns:a16="http://schemas.microsoft.com/office/drawing/2014/main" id="{9E6A5333-A592-E17D-F078-892658AB116B}"/>
+                </a:ext>
+              </a:extLst>
+            </p:cNvPr>
+            <p:cNvSpPr txBox="1"/>
+            <p:nvPr/>
+          </p:nvSpPr>
+          <p:spPr>
+            <a:xfrm>
+              <a:off x="7641348" y="3059668"/>
+              <a:ext cx="301686" cy="369332"/>
+            </a:xfrm>
+            <a:prstGeom prst="rect">
+              <a:avLst/>
+            </a:prstGeom>
+            <a:solidFill>
+              <a:srgbClr val="FFC000"/>
+            </a:solidFill>
+          </p:spPr>
+          <p:txBody>
+            <a:bodyPr wrap="none" rtlCol="0">
+              <a:spAutoFit/>
+            </a:bodyPr>
+            <a:lstStyle/>
+            <a:p>
+              <a:r>
+                <a:rPr lang="en-US" dirty="0"/>
+                <a:t>1</a:t>
+              </a:r>
+              <a:endParaRPr lang="en-SG" dirty="0"/>
+            </a:p>
+          </p:txBody>
+        </p:sp>
+      </p:grpSp>
+      <p:grpSp>
+        <p:nvGrpSpPr>
+          <p:cNvPr id="14" name="Group 13">
+            <a:extLst>
+              <a:ext uri="{FF2B5EF4-FFF2-40B4-BE49-F238E27FC236}">
+                <a16:creationId xmlns:a16="http://schemas.microsoft.com/office/drawing/2014/main" id="{BB8E3730-37F0-9388-5C85-5554E5CCAC0A}"/>
+              </a:ext>
+            </a:extLst>
+          </p:cNvPr>
+          <p:cNvGrpSpPr/>
+          <p:nvPr/>
+        </p:nvGrpSpPr>
+        <p:grpSpPr>
+          <a:xfrm>
+            <a:off x="4328577" y="2280562"/>
+            <a:ext cx="3462653" cy="795880"/>
+            <a:chOff x="4328577" y="2280562"/>
+            <a:chExt cx="3462653" cy="795880"/>
+          </a:xfrm>
+        </p:grpSpPr>
+        <p:grpSp>
+          <p:nvGrpSpPr>
+            <p:cNvPr id="12" name="Group 11">
+              <a:extLst>
+                <a:ext uri="{FF2B5EF4-FFF2-40B4-BE49-F238E27FC236}">
+                  <a16:creationId xmlns:a16="http://schemas.microsoft.com/office/drawing/2014/main" id="{E60AF7D9-D372-87D2-4EC3-EB9B5FE3C4E1}"/>
+                </a:ext>
+              </a:extLst>
+            </p:cNvPr>
+            <p:cNvGrpSpPr/>
+            <p:nvPr/>
+          </p:nvGrpSpPr>
+          <p:grpSpPr>
+            <a:xfrm>
+              <a:off x="4328577" y="2280562"/>
+              <a:ext cx="3462653" cy="795880"/>
+              <a:chOff x="4328577" y="2280562"/>
+              <a:chExt cx="3462653" cy="795880"/>
+            </a:xfrm>
+          </p:grpSpPr>
+          <p:sp>
+            <p:nvSpPr>
+              <p:cNvPr id="10" name="TextBox 9">
+                <a:extLst>
+                  <a:ext uri="{FF2B5EF4-FFF2-40B4-BE49-F238E27FC236}">
+                    <a16:creationId xmlns:a16="http://schemas.microsoft.com/office/drawing/2014/main" id="{39218487-2F89-55DB-5789-7AF7D884873F}"/>
+                  </a:ext>
+                </a:extLst>
+              </p:cNvPr>
+              <p:cNvSpPr txBox="1"/>
+              <p:nvPr/>
+            </p:nvSpPr>
+            <p:spPr>
+              <a:xfrm>
+                <a:off x="4328577" y="2707110"/>
+                <a:ext cx="301686" cy="369332"/>
+              </a:xfrm>
+              <a:prstGeom prst="rect">
+                <a:avLst/>
+              </a:prstGeom>
+              <a:solidFill>
+                <a:srgbClr val="92D050"/>
+              </a:solidFill>
+            </p:spPr>
+            <p:txBody>
+              <a:bodyPr wrap="none" rtlCol="0">
+                <a:spAutoFit/>
+              </a:bodyPr>
+              <a:lstStyle/>
+              <a:p>
+                <a:r>
+                  <a:rPr lang="en-US" dirty="0"/>
+                  <a:t>2</a:t>
+                </a:r>
+                <a:endParaRPr lang="en-SG" dirty="0"/>
+              </a:p>
+            </p:txBody>
+          </p:sp>
+          <p:sp>
+            <p:nvSpPr>
+              <p:cNvPr id="11" name="TextBox 10">
+                <a:extLst>
+                  <a:ext uri="{FF2B5EF4-FFF2-40B4-BE49-F238E27FC236}">
+                    <a16:creationId xmlns:a16="http://schemas.microsoft.com/office/drawing/2014/main" id="{EF87B08A-B293-3DAD-ED78-DB55A9D58F69}"/>
+                  </a:ext>
+                </a:extLst>
+              </p:cNvPr>
+              <p:cNvSpPr txBox="1"/>
+              <p:nvPr/>
+            </p:nvSpPr>
+            <p:spPr>
+              <a:xfrm>
+                <a:off x="7489544" y="2280562"/>
+                <a:ext cx="301686" cy="369332"/>
+              </a:xfrm>
+              <a:prstGeom prst="rect">
+                <a:avLst/>
+              </a:prstGeom>
+              <a:solidFill>
+                <a:srgbClr val="92D050"/>
+              </a:solidFill>
+            </p:spPr>
+            <p:txBody>
+              <a:bodyPr wrap="none" rtlCol="0">
+                <a:spAutoFit/>
+              </a:bodyPr>
+              <a:lstStyle/>
+              <a:p>
+                <a:r>
+                  <a:rPr lang="en-US" dirty="0"/>
+                  <a:t>2</a:t>
+                </a:r>
+                <a:endParaRPr lang="en-SG" dirty="0"/>
+              </a:p>
+            </p:txBody>
+          </p:sp>
+        </p:grpSp>
+        <p:sp>
+          <p:nvSpPr>
+            <p:cNvPr id="13" name="TextBox 12">
+              <a:extLst>
+                <a:ext uri="{FF2B5EF4-FFF2-40B4-BE49-F238E27FC236}">
+                  <a16:creationId xmlns:a16="http://schemas.microsoft.com/office/drawing/2014/main" id="{E3C20373-C589-59DE-1C42-825D3AC458D0}"/>
+                </a:ext>
+              </a:extLst>
+            </p:cNvPr>
+            <p:cNvSpPr txBox="1"/>
+            <p:nvPr/>
+          </p:nvSpPr>
+          <p:spPr>
+            <a:xfrm>
+              <a:off x="4830147" y="2310956"/>
+              <a:ext cx="1782425" cy="707886"/>
+            </a:xfrm>
+            <a:prstGeom prst="rect">
+              <a:avLst/>
+            </a:prstGeom>
+            <a:solidFill>
+              <a:srgbClr val="92D050"/>
+            </a:solidFill>
+          </p:spPr>
+          <p:txBody>
+            <a:bodyPr wrap="square" rtlCol="0">
+              <a:spAutoFit/>
+            </a:bodyPr>
+            <a:lstStyle/>
+            <a:p>
+              <a:r>
+                <a:rPr lang="en-US" sz="1000" b="1" dirty="0"/>
+                <a:t>Echo Pin goes low and remains low until signal returns. Time just before echo == 1 is taken (start point)</a:t>
+              </a:r>
+              <a:endParaRPr lang="en-SG" sz="1000" b="1" dirty="0"/>
+            </a:p>
+          </p:txBody>
+        </p:sp>
+      </p:grpSp>
+      <p:grpSp>
+        <p:nvGrpSpPr>
+          <p:cNvPr id="19" name="Group 18">
+            <a:extLst>
+              <a:ext uri="{FF2B5EF4-FFF2-40B4-BE49-F238E27FC236}">
+                <a16:creationId xmlns:a16="http://schemas.microsoft.com/office/drawing/2014/main" id="{16C912FE-DFA3-A1B0-21DE-90A091CC7FCC}"/>
+              </a:ext>
+            </a:extLst>
+          </p:cNvPr>
+          <p:cNvGrpSpPr/>
+          <p:nvPr/>
+        </p:nvGrpSpPr>
+        <p:grpSpPr>
+          <a:xfrm>
+            <a:off x="4337891" y="1752434"/>
+            <a:ext cx="5361440" cy="2094733"/>
+            <a:chOff x="4337891" y="1752434"/>
+            <a:chExt cx="5361440" cy="2094733"/>
+          </a:xfrm>
+        </p:grpSpPr>
+        <p:sp>
+          <p:nvSpPr>
+            <p:cNvPr id="16" name="TextBox 15">
+              <a:extLst>
+                <a:ext uri="{FF2B5EF4-FFF2-40B4-BE49-F238E27FC236}">
+                  <a16:creationId xmlns:a16="http://schemas.microsoft.com/office/drawing/2014/main" id="{1BE2B904-C49E-807E-A725-17775F0A8AEC}"/>
+                </a:ext>
+              </a:extLst>
+            </p:cNvPr>
+            <p:cNvSpPr txBox="1"/>
+            <p:nvPr/>
+          </p:nvSpPr>
+          <p:spPr>
+            <a:xfrm>
+              <a:off x="4337891" y="3308558"/>
+              <a:ext cx="301686" cy="369332"/>
+            </a:xfrm>
+            <a:prstGeom prst="rect">
+              <a:avLst/>
+            </a:prstGeom>
+            <a:solidFill>
+              <a:srgbClr val="002060"/>
+            </a:solidFill>
+          </p:spPr>
+          <p:txBody>
+            <a:bodyPr wrap="none" rtlCol="0">
+              <a:spAutoFit/>
+            </a:bodyPr>
+            <a:lstStyle/>
+            <a:p>
+              <a:r>
+                <a:rPr lang="en-US" dirty="0">
+                  <a:solidFill>
+                    <a:srgbClr val="FFC000"/>
+                  </a:solidFill>
+                </a:rPr>
+                <a:t>3</a:t>
+              </a:r>
+              <a:endParaRPr lang="en-SG" dirty="0">
+                <a:solidFill>
+                  <a:srgbClr val="FFC000"/>
+                </a:solidFill>
+              </a:endParaRPr>
+            </a:p>
+          </p:txBody>
+        </p:sp>
+        <p:sp>
+          <p:nvSpPr>
+            <p:cNvPr id="17" name="TextBox 16">
+              <a:extLst>
+                <a:ext uri="{FF2B5EF4-FFF2-40B4-BE49-F238E27FC236}">
+                  <a16:creationId xmlns:a16="http://schemas.microsoft.com/office/drawing/2014/main" id="{73DCCF2E-2424-0742-78EE-A047477E9549}"/>
+                </a:ext>
+              </a:extLst>
+            </p:cNvPr>
+            <p:cNvSpPr txBox="1"/>
+            <p:nvPr/>
+          </p:nvSpPr>
+          <p:spPr>
+            <a:xfrm>
+              <a:off x="9397645" y="1752434"/>
+              <a:ext cx="301686" cy="369332"/>
+            </a:xfrm>
+            <a:prstGeom prst="rect">
+              <a:avLst/>
+            </a:prstGeom>
+            <a:solidFill>
+              <a:srgbClr val="002060"/>
+            </a:solidFill>
+          </p:spPr>
+          <p:txBody>
+            <a:bodyPr wrap="square" rtlCol="0">
+              <a:spAutoFit/>
+            </a:bodyPr>
+            <a:lstStyle/>
+            <a:p>
+              <a:r>
+                <a:rPr lang="en-US" dirty="0">
+                  <a:solidFill>
+                    <a:srgbClr val="FFC000"/>
+                  </a:solidFill>
+                </a:rPr>
+                <a:t>3</a:t>
+              </a:r>
+              <a:endParaRPr lang="en-SG" dirty="0">
+                <a:solidFill>
+                  <a:srgbClr val="FFC000"/>
+                </a:solidFill>
+              </a:endParaRPr>
+            </a:p>
+          </p:txBody>
+        </p:sp>
+        <p:sp>
+          <p:nvSpPr>
+            <p:cNvPr id="18" name="TextBox 17">
+              <a:extLst>
+                <a:ext uri="{FF2B5EF4-FFF2-40B4-BE49-F238E27FC236}">
+                  <a16:creationId xmlns:a16="http://schemas.microsoft.com/office/drawing/2014/main" id="{0F8CFDA0-8E9E-78FB-6E2D-D826B61B2DC7}"/>
+                </a:ext>
+              </a:extLst>
+            </p:cNvPr>
+            <p:cNvSpPr txBox="1"/>
+            <p:nvPr/>
+          </p:nvSpPr>
+          <p:spPr>
+            <a:xfrm>
+              <a:off x="4830147" y="3139281"/>
+              <a:ext cx="1782425" cy="707886"/>
+            </a:xfrm>
+            <a:prstGeom prst="rect">
+              <a:avLst/>
+            </a:prstGeom>
+            <a:solidFill>
+              <a:srgbClr val="002060"/>
+            </a:solidFill>
+          </p:spPr>
+          <p:txBody>
+            <a:bodyPr wrap="square" rtlCol="0">
+              <a:spAutoFit/>
+            </a:bodyPr>
+            <a:lstStyle/>
+            <a:p>
+              <a:r>
+                <a:rPr lang="en-US" sz="1000" b="1" dirty="0">
+                  <a:solidFill>
+                    <a:srgbClr val="FFC000"/>
+                  </a:solidFill>
+                </a:rPr>
+                <a:t>Echo Pin remains high until the entire pulse is received by the receiver.  (End Time)</a:t>
+              </a:r>
+            </a:p>
+            <a:p>
+              <a:r>
+                <a:rPr lang="en-US" sz="1000" b="1" dirty="0">
+                  <a:solidFill>
+                    <a:srgbClr val="FFC000"/>
+                  </a:solidFill>
+                </a:rPr>
+                <a:t>It will then go low or == 0 </a:t>
+              </a:r>
+              <a:endParaRPr lang="en-SG" sz="1000" b="1" dirty="0">
+                <a:solidFill>
+                  <a:srgbClr val="FFC000"/>
+                </a:solidFill>
+              </a:endParaRPr>
+            </a:p>
+          </p:txBody>
+        </p:sp>
+      </p:grpSp>
+      <p:grpSp>
+        <p:nvGrpSpPr>
+          <p:cNvPr id="22" name="Group 21">
+            <a:extLst>
+              <a:ext uri="{FF2B5EF4-FFF2-40B4-BE49-F238E27FC236}">
+                <a16:creationId xmlns:a16="http://schemas.microsoft.com/office/drawing/2014/main" id="{60E1E8B1-85DD-DE51-05E3-BD940BE41287}"/>
+              </a:ext>
+            </a:extLst>
+          </p:cNvPr>
+          <p:cNvGrpSpPr/>
+          <p:nvPr/>
+        </p:nvGrpSpPr>
+        <p:grpSpPr>
+          <a:xfrm>
+            <a:off x="5191752" y="3923263"/>
+            <a:ext cx="1757901" cy="430708"/>
+            <a:chOff x="5191752" y="3923263"/>
+            <a:chExt cx="1757901" cy="430708"/>
+          </a:xfrm>
+        </p:grpSpPr>
+        <p:sp>
+          <p:nvSpPr>
+            <p:cNvPr id="20" name="TextBox 19">
+              <a:extLst>
+                <a:ext uri="{FF2B5EF4-FFF2-40B4-BE49-F238E27FC236}">
+                  <a16:creationId xmlns:a16="http://schemas.microsoft.com/office/drawing/2014/main" id="{77DA0A4A-F195-41A3-9B7B-082A0AA8FE9C}"/>
+                </a:ext>
+              </a:extLst>
+            </p:cNvPr>
+            <p:cNvSpPr txBox="1"/>
+            <p:nvPr/>
+          </p:nvSpPr>
+          <p:spPr>
+            <a:xfrm>
+              <a:off x="5191752" y="3923263"/>
+              <a:ext cx="301686" cy="369332"/>
+            </a:xfrm>
+            <a:prstGeom prst="rect">
+              <a:avLst/>
+            </a:prstGeom>
+            <a:solidFill>
+              <a:srgbClr val="FFC000"/>
+            </a:solidFill>
+          </p:spPr>
+          <p:txBody>
+            <a:bodyPr wrap="none" rtlCol="0">
+              <a:spAutoFit/>
+            </a:bodyPr>
+            <a:lstStyle/>
+            <a:p>
+              <a:r>
+                <a:rPr lang="en-US" dirty="0"/>
+                <a:t>4</a:t>
+              </a:r>
+              <a:endParaRPr lang="en-SG" dirty="0"/>
+            </a:p>
+          </p:txBody>
+        </p:sp>
+        <p:sp>
+          <p:nvSpPr>
+            <p:cNvPr id="21" name="TextBox 20">
+              <a:extLst>
+                <a:ext uri="{FF2B5EF4-FFF2-40B4-BE49-F238E27FC236}">
+                  <a16:creationId xmlns:a16="http://schemas.microsoft.com/office/drawing/2014/main" id="{498E8B05-F6C5-A051-B240-56E42ADF38EC}"/>
+                </a:ext>
+              </a:extLst>
+            </p:cNvPr>
+            <p:cNvSpPr txBox="1"/>
+            <p:nvPr/>
+          </p:nvSpPr>
+          <p:spPr>
+            <a:xfrm>
+              <a:off x="5549911" y="3953861"/>
+              <a:ext cx="1399742" cy="400110"/>
+            </a:xfrm>
+            <a:prstGeom prst="rect">
+              <a:avLst/>
+            </a:prstGeom>
+            <a:solidFill>
+              <a:schemeClr val="accent4"/>
+            </a:solidFill>
+          </p:spPr>
+          <p:txBody>
+            <a:bodyPr wrap="none" rtlCol="0">
+              <a:spAutoFit/>
+            </a:bodyPr>
+            <a:lstStyle/>
+            <a:p>
+              <a:r>
+                <a:rPr lang="en-US" sz="1000" b="1" dirty="0"/>
+                <a:t>The diff is the duration</a:t>
+              </a:r>
+            </a:p>
+            <a:p>
+              <a:r>
+                <a:rPr lang="en-US" sz="1000" b="1" dirty="0">
+                  <a:solidFill>
+                    <a:srgbClr val="FF0000"/>
+                  </a:solidFill>
+                </a:rPr>
+                <a:t>timepassed</a:t>
+              </a:r>
+              <a:endParaRPr lang="en-SG" sz="1000" b="1" dirty="0">
+                <a:solidFill>
+                  <a:srgbClr val="FF0000"/>
+                </a:solidFill>
+              </a:endParaRPr>
+            </a:p>
+          </p:txBody>
+        </p:sp>
+      </p:grpSp>
+      <p:grpSp>
+        <p:nvGrpSpPr>
+          <p:cNvPr id="25" name="Group 24">
+            <a:extLst>
+              <a:ext uri="{FF2B5EF4-FFF2-40B4-BE49-F238E27FC236}">
+                <a16:creationId xmlns:a16="http://schemas.microsoft.com/office/drawing/2014/main" id="{F304DDE6-7E7B-C6BC-76D7-7DFFC6DB9361}"/>
+              </a:ext>
+            </a:extLst>
+          </p:cNvPr>
+          <p:cNvGrpSpPr/>
+          <p:nvPr/>
+        </p:nvGrpSpPr>
+        <p:grpSpPr>
+          <a:xfrm>
+            <a:off x="6524421" y="4822711"/>
+            <a:ext cx="2231931" cy="400110"/>
+            <a:chOff x="6612572" y="4820956"/>
+            <a:chExt cx="2231931" cy="400110"/>
+          </a:xfrm>
+        </p:grpSpPr>
+        <p:sp>
+          <p:nvSpPr>
+            <p:cNvPr id="23" name="TextBox 22">
+              <a:extLst>
+                <a:ext uri="{FF2B5EF4-FFF2-40B4-BE49-F238E27FC236}">
+                  <a16:creationId xmlns:a16="http://schemas.microsoft.com/office/drawing/2014/main" id="{BD7D0009-9F29-74E6-9713-2BDBA5D20F4C}"/>
+                </a:ext>
+              </a:extLst>
+            </p:cNvPr>
+            <p:cNvSpPr txBox="1"/>
+            <p:nvPr/>
+          </p:nvSpPr>
+          <p:spPr>
+            <a:xfrm>
+              <a:off x="6976684" y="4820956"/>
+              <a:ext cx="1867819" cy="400110"/>
+            </a:xfrm>
+            <a:prstGeom prst="rect">
+              <a:avLst/>
+            </a:prstGeom>
+            <a:solidFill>
+              <a:srgbClr val="FFC000"/>
+            </a:solidFill>
+          </p:spPr>
+          <p:txBody>
+            <a:bodyPr wrap="none" rtlCol="0">
+              <a:spAutoFit/>
+            </a:bodyPr>
+            <a:lstStyle/>
+            <a:p>
+              <a:r>
+                <a:rPr lang="en-US" sz="1000" b="1" dirty="0"/>
+                <a:t>Compute distance</a:t>
+              </a:r>
+            </a:p>
+            <a:p>
+              <a:r>
+                <a:rPr lang="en-US" sz="1000" b="1" dirty="0"/>
+                <a:t>distance=time x speed of sound</a:t>
+              </a:r>
+              <a:endParaRPr lang="en-SG" sz="1000" b="1" dirty="0"/>
+            </a:p>
+          </p:txBody>
+        </p:sp>
+        <p:sp>
+          <p:nvSpPr>
+            <p:cNvPr id="24" name="TextBox 23">
+              <a:extLst>
+                <a:ext uri="{FF2B5EF4-FFF2-40B4-BE49-F238E27FC236}">
+                  <a16:creationId xmlns:a16="http://schemas.microsoft.com/office/drawing/2014/main" id="{D13C96B3-136D-6D1E-FD29-4E012780E6DD}"/>
+                </a:ext>
+              </a:extLst>
+            </p:cNvPr>
+            <p:cNvSpPr txBox="1"/>
+            <p:nvPr/>
+          </p:nvSpPr>
+          <p:spPr>
+            <a:xfrm>
+              <a:off x="6612572" y="4820956"/>
+              <a:ext cx="301686" cy="369332"/>
+            </a:xfrm>
+            <a:prstGeom prst="rect">
+              <a:avLst/>
+            </a:prstGeom>
+            <a:solidFill>
+              <a:srgbClr val="FFC000"/>
+            </a:solidFill>
+          </p:spPr>
+          <p:txBody>
+            <a:bodyPr wrap="none" rtlCol="0">
+              <a:spAutoFit/>
+            </a:bodyPr>
+            <a:lstStyle/>
+            <a:p>
+              <a:r>
+                <a:rPr lang="en-US" dirty="0"/>
+                <a:t>5</a:t>
+              </a:r>
+              <a:endParaRPr lang="en-SG" dirty="0"/>
+            </a:p>
+          </p:txBody>
+        </p:sp>
+      </p:grpSp>
+      <p:grpSp>
+        <p:nvGrpSpPr>
+          <p:cNvPr id="29" name="Group 28">
+            <a:extLst>
+              <a:ext uri="{FF2B5EF4-FFF2-40B4-BE49-F238E27FC236}">
+                <a16:creationId xmlns:a16="http://schemas.microsoft.com/office/drawing/2014/main" id="{2463DB03-7C6F-A788-1960-C1EF597F82BA}"/>
+              </a:ext>
+            </a:extLst>
+          </p:cNvPr>
+          <p:cNvGrpSpPr/>
+          <p:nvPr/>
+        </p:nvGrpSpPr>
+        <p:grpSpPr>
+          <a:xfrm>
+            <a:off x="6485519" y="5288990"/>
+            <a:ext cx="4541666" cy="419678"/>
+            <a:chOff x="5436681" y="5341263"/>
+            <a:chExt cx="4541666" cy="400110"/>
+          </a:xfrm>
+        </p:grpSpPr>
+        <p:sp>
+          <p:nvSpPr>
+            <p:cNvPr id="27" name="TextBox 26">
+              <a:extLst>
+                <a:ext uri="{FF2B5EF4-FFF2-40B4-BE49-F238E27FC236}">
+                  <a16:creationId xmlns:a16="http://schemas.microsoft.com/office/drawing/2014/main" id="{EC8DC099-BD2B-BC51-577A-BA6AF4DD77E9}"/>
+                </a:ext>
+              </a:extLst>
+            </p:cNvPr>
+            <p:cNvSpPr txBox="1"/>
+            <p:nvPr/>
+          </p:nvSpPr>
+          <p:spPr>
+            <a:xfrm>
+              <a:off x="5788057" y="5341263"/>
+              <a:ext cx="4190290" cy="400110"/>
+            </a:xfrm>
+            <a:prstGeom prst="rect">
+              <a:avLst/>
+            </a:prstGeom>
+            <a:solidFill>
+              <a:srgbClr val="FFC000"/>
+            </a:solidFill>
+          </p:spPr>
+          <p:txBody>
+            <a:bodyPr wrap="square">
+              <a:spAutoFit/>
+            </a:bodyPr>
+            <a:lstStyle/>
+            <a:p>
+              <a:r>
+                <a:rPr lang="en-US" sz="1000" b="1" dirty="0"/>
+                <a:t>speed of sound is 343 meters / seconds so is 34300 cm / second</a:t>
+              </a:r>
+            </a:p>
+            <a:p>
+              <a:r>
+                <a:rPr lang="en-US" sz="1000" b="1" dirty="0"/>
+                <a:t>timepassed is in microseconds, to convert to seconds divide by 1000000</a:t>
+              </a:r>
+              <a:endParaRPr lang="en-SG" sz="1000" b="1" dirty="0"/>
+            </a:p>
+          </p:txBody>
+        </p:sp>
+        <p:sp>
+          <p:nvSpPr>
+            <p:cNvPr id="28" name="TextBox 27">
+              <a:extLst>
+                <a:ext uri="{FF2B5EF4-FFF2-40B4-BE49-F238E27FC236}">
+                  <a16:creationId xmlns:a16="http://schemas.microsoft.com/office/drawing/2014/main" id="{F4409C8A-69C3-A742-2B7B-CD56EE2DB484}"/>
+                </a:ext>
+              </a:extLst>
+            </p:cNvPr>
+            <p:cNvSpPr txBox="1"/>
+            <p:nvPr/>
+          </p:nvSpPr>
+          <p:spPr>
+            <a:xfrm>
+              <a:off x="5436681" y="5372041"/>
+              <a:ext cx="301686" cy="369332"/>
+            </a:xfrm>
+            <a:prstGeom prst="rect">
+              <a:avLst/>
+            </a:prstGeom>
+            <a:solidFill>
+              <a:srgbClr val="FFC000"/>
+            </a:solidFill>
+          </p:spPr>
+          <p:txBody>
+            <a:bodyPr wrap="none" rtlCol="0">
+              <a:spAutoFit/>
+            </a:bodyPr>
+            <a:lstStyle/>
+            <a:p>
+              <a:r>
+                <a:rPr lang="en-US" dirty="0"/>
+                <a:t>6</a:t>
+              </a:r>
+              <a:endParaRPr lang="en-SG" dirty="0"/>
+            </a:p>
+          </p:txBody>
+        </p:sp>
+      </p:grpSp>
     </p:spTree>
     <p:extLst>
       <p:ext uri="{BB962C8B-B14F-4D97-AF65-F5344CB8AC3E}">
@@ -3530,6 +4304,544 @@
   <p:clrMapOvr>
     <a:masterClrMapping/>
   </p:clrMapOvr>
+  <p:timing>
+    <p:tnLst>
+      <p:par>
+        <p:cTn id="1" dur="indefinite" restart="never" nodeType="tmRoot">
+          <p:childTnLst>
+            <p:seq concurrent="1" nextAc="seek">
+              <p:cTn id="2" dur="indefinite" nodeType="mainSeq">
+                <p:childTnLst>
+                  <p:par>
+                    <p:cTn id="3" fill="hold">
+                      <p:stCondLst>
+                        <p:cond delay="indefinite"/>
+                      </p:stCondLst>
+                      <p:childTnLst>
+                        <p:par>
+                          <p:cTn id="4" fill="hold">
+                            <p:stCondLst>
+                              <p:cond delay="0"/>
+                            </p:stCondLst>
+                            <p:childTnLst>
+                              <p:par>
+                                <p:cTn id="5" presetID="10" presetClass="entr" presetSubtype="0" fill="hold" nodeType="clickEffect">
+                                  <p:stCondLst>
+                                    <p:cond delay="0"/>
+                                  </p:stCondLst>
+                                  <p:childTnLst>
+                                    <p:set>
+                                      <p:cBhvr>
+                                        <p:cTn id="6" dur="1" fill="hold">
+                                          <p:stCondLst>
+                                            <p:cond delay="0"/>
+                                          </p:stCondLst>
+                                        </p:cTn>
+                                        <p:tgtEl>
+                                          <p:spTgt spid="8"/>
+                                        </p:tgtEl>
+                                        <p:attrNameLst>
+                                          <p:attrName>style.visibility</p:attrName>
+                                        </p:attrNameLst>
+                                      </p:cBhvr>
+                                      <p:to>
+                                        <p:strVal val="visible"/>
+                                      </p:to>
+                                    </p:set>
+                                    <p:animEffect transition="in" filter="fade">
+                                      <p:cBhvr>
+                                        <p:cTn id="7" dur="500"/>
+                                        <p:tgtEl>
+                                          <p:spTgt spid="8"/>
+                                        </p:tgtEl>
+                                      </p:cBhvr>
+                                    </p:animEffect>
+                                  </p:childTnLst>
+                                </p:cTn>
+                              </p:par>
+                            </p:childTnLst>
+                          </p:cTn>
+                        </p:par>
+                      </p:childTnLst>
+                    </p:cTn>
+                  </p:par>
+                  <p:par>
+                    <p:cTn id="8" fill="hold">
+                      <p:stCondLst>
+                        <p:cond delay="indefinite"/>
+                      </p:stCondLst>
+                      <p:childTnLst>
+                        <p:par>
+                          <p:cTn id="9" fill="hold">
+                            <p:stCondLst>
+                              <p:cond delay="0"/>
+                            </p:stCondLst>
+                            <p:childTnLst>
+                              <p:par>
+                                <p:cTn id="10" presetID="2" presetClass="entr" presetSubtype="4" fill="hold" nodeType="clickEffect">
+                                  <p:stCondLst>
+                                    <p:cond delay="0"/>
+                                  </p:stCondLst>
+                                  <p:childTnLst>
+                                    <p:set>
+                                      <p:cBhvr>
+                                        <p:cTn id="11" dur="1" fill="hold">
+                                          <p:stCondLst>
+                                            <p:cond delay="0"/>
+                                          </p:stCondLst>
+                                        </p:cTn>
+                                        <p:tgtEl>
+                                          <p:spTgt spid="14"/>
+                                        </p:tgtEl>
+                                        <p:attrNameLst>
+                                          <p:attrName>style.visibility</p:attrName>
+                                        </p:attrNameLst>
+                                      </p:cBhvr>
+                                      <p:to>
+                                        <p:strVal val="visible"/>
+                                      </p:to>
+                                    </p:set>
+                                    <p:anim calcmode="lin" valueType="num">
+                                      <p:cBhvr additive="base">
+                                        <p:cTn id="12" dur="500" fill="hold"/>
+                                        <p:tgtEl>
+                                          <p:spTgt spid="14"/>
+                                        </p:tgtEl>
+                                        <p:attrNameLst>
+                                          <p:attrName>ppt_x</p:attrName>
+                                        </p:attrNameLst>
+                                      </p:cBhvr>
+                                      <p:tavLst>
+                                        <p:tav tm="0">
+                                          <p:val>
+                                            <p:strVal val="#ppt_x"/>
+                                          </p:val>
+                                        </p:tav>
+                                        <p:tav tm="100000">
+                                          <p:val>
+                                            <p:strVal val="#ppt_x"/>
+                                          </p:val>
+                                        </p:tav>
+                                      </p:tavLst>
+                                    </p:anim>
+                                    <p:anim calcmode="lin" valueType="num">
+                                      <p:cBhvr additive="base">
+                                        <p:cTn id="13" dur="500" fill="hold"/>
+                                        <p:tgtEl>
+                                          <p:spTgt spid="14"/>
+                                        </p:tgtEl>
+                                        <p:attrNameLst>
+                                          <p:attrName>ppt_y</p:attrName>
+                                        </p:attrNameLst>
+                                      </p:cBhvr>
+                                      <p:tavLst>
+                                        <p:tav tm="0">
+                                          <p:val>
+                                            <p:strVal val="1+#ppt_h/2"/>
+                                          </p:val>
+                                        </p:tav>
+                                        <p:tav tm="100000">
+                                          <p:val>
+                                            <p:strVal val="#ppt_y"/>
+                                          </p:val>
+                                        </p:tav>
+                                      </p:tavLst>
+                                    </p:anim>
+                                  </p:childTnLst>
+                                </p:cTn>
+                              </p:par>
+                            </p:childTnLst>
+                          </p:cTn>
+                        </p:par>
+                      </p:childTnLst>
+                    </p:cTn>
+                  </p:par>
+                  <p:par>
+                    <p:cTn id="14" fill="hold">
+                      <p:stCondLst>
+                        <p:cond delay="indefinite"/>
+                      </p:stCondLst>
+                      <p:childTnLst>
+                        <p:par>
+                          <p:cTn id="15" fill="hold">
+                            <p:stCondLst>
+                              <p:cond delay="0"/>
+                            </p:stCondLst>
+                            <p:childTnLst>
+                              <p:par>
+                                <p:cTn id="16" presetID="2" presetClass="entr" presetSubtype="4" fill="hold" nodeType="clickEffect">
+                                  <p:stCondLst>
+                                    <p:cond delay="0"/>
+                                  </p:stCondLst>
+                                  <p:childTnLst>
+                                    <p:set>
+                                      <p:cBhvr>
+                                        <p:cTn id="17" dur="1" fill="hold">
+                                          <p:stCondLst>
+                                            <p:cond delay="0"/>
+                                          </p:stCondLst>
+                                        </p:cTn>
+                                        <p:tgtEl>
+                                          <p:spTgt spid="19"/>
+                                        </p:tgtEl>
+                                        <p:attrNameLst>
+                                          <p:attrName>style.visibility</p:attrName>
+                                        </p:attrNameLst>
+                                      </p:cBhvr>
+                                      <p:to>
+                                        <p:strVal val="visible"/>
+                                      </p:to>
+                                    </p:set>
+                                    <p:anim calcmode="lin" valueType="num">
+                                      <p:cBhvr additive="base">
+                                        <p:cTn id="18" dur="500" fill="hold"/>
+                                        <p:tgtEl>
+                                          <p:spTgt spid="19"/>
+                                        </p:tgtEl>
+                                        <p:attrNameLst>
+                                          <p:attrName>ppt_x</p:attrName>
+                                        </p:attrNameLst>
+                                      </p:cBhvr>
+                                      <p:tavLst>
+                                        <p:tav tm="0">
+                                          <p:val>
+                                            <p:strVal val="#ppt_x"/>
+                                          </p:val>
+                                        </p:tav>
+                                        <p:tav tm="100000">
+                                          <p:val>
+                                            <p:strVal val="#ppt_x"/>
+                                          </p:val>
+                                        </p:tav>
+                                      </p:tavLst>
+                                    </p:anim>
+                                    <p:anim calcmode="lin" valueType="num">
+                                      <p:cBhvr additive="base">
+                                        <p:cTn id="19" dur="500" fill="hold"/>
+                                        <p:tgtEl>
+                                          <p:spTgt spid="19"/>
+                                        </p:tgtEl>
+                                        <p:attrNameLst>
+                                          <p:attrName>ppt_y</p:attrName>
+                                        </p:attrNameLst>
+                                      </p:cBhvr>
+                                      <p:tavLst>
+                                        <p:tav tm="0">
+                                          <p:val>
+                                            <p:strVal val="1+#ppt_h/2"/>
+                                          </p:val>
+                                        </p:tav>
+                                        <p:tav tm="100000">
+                                          <p:val>
+                                            <p:strVal val="#ppt_y"/>
+                                          </p:val>
+                                        </p:tav>
+                                      </p:tavLst>
+                                    </p:anim>
+                                  </p:childTnLst>
+                                </p:cTn>
+                              </p:par>
+                            </p:childTnLst>
+                          </p:cTn>
+                        </p:par>
+                      </p:childTnLst>
+                    </p:cTn>
+                  </p:par>
+                  <p:par>
+                    <p:cTn id="20" fill="hold">
+                      <p:stCondLst>
+                        <p:cond delay="indefinite"/>
+                      </p:stCondLst>
+                      <p:childTnLst>
+                        <p:par>
+                          <p:cTn id="21" fill="hold">
+                            <p:stCondLst>
+                              <p:cond delay="0"/>
+                            </p:stCondLst>
+                            <p:childTnLst>
+                              <p:par>
+                                <p:cTn id="22" presetID="2" presetClass="entr" presetSubtype="4" fill="hold" nodeType="clickEffect">
+                                  <p:stCondLst>
+                                    <p:cond delay="0"/>
+                                  </p:stCondLst>
+                                  <p:childTnLst>
+                                    <p:set>
+                                      <p:cBhvr>
+                                        <p:cTn id="23" dur="1" fill="hold">
+                                          <p:stCondLst>
+                                            <p:cond delay="0"/>
+                                          </p:stCondLst>
+                                        </p:cTn>
+                                        <p:tgtEl>
+                                          <p:spTgt spid="22"/>
+                                        </p:tgtEl>
+                                        <p:attrNameLst>
+                                          <p:attrName>style.visibility</p:attrName>
+                                        </p:attrNameLst>
+                                      </p:cBhvr>
+                                      <p:to>
+                                        <p:strVal val="visible"/>
+                                      </p:to>
+                                    </p:set>
+                                    <p:anim calcmode="lin" valueType="num">
+                                      <p:cBhvr additive="base">
+                                        <p:cTn id="24" dur="500" fill="hold"/>
+                                        <p:tgtEl>
+                                          <p:spTgt spid="22"/>
+                                        </p:tgtEl>
+                                        <p:attrNameLst>
+                                          <p:attrName>ppt_x</p:attrName>
+                                        </p:attrNameLst>
+                                      </p:cBhvr>
+                                      <p:tavLst>
+                                        <p:tav tm="0">
+                                          <p:val>
+                                            <p:strVal val="#ppt_x"/>
+                                          </p:val>
+                                        </p:tav>
+                                        <p:tav tm="100000">
+                                          <p:val>
+                                            <p:strVal val="#ppt_x"/>
+                                          </p:val>
+                                        </p:tav>
+                                      </p:tavLst>
+                                    </p:anim>
+                                    <p:anim calcmode="lin" valueType="num">
+                                      <p:cBhvr additive="base">
+                                        <p:cTn id="25" dur="500" fill="hold"/>
+                                        <p:tgtEl>
+                                          <p:spTgt spid="22"/>
+                                        </p:tgtEl>
+                                        <p:attrNameLst>
+                                          <p:attrName>ppt_y</p:attrName>
+                                        </p:attrNameLst>
+                                      </p:cBhvr>
+                                      <p:tavLst>
+                                        <p:tav tm="0">
+                                          <p:val>
+                                            <p:strVal val="1+#ppt_h/2"/>
+                                          </p:val>
+                                        </p:tav>
+                                        <p:tav tm="100000">
+                                          <p:val>
+                                            <p:strVal val="#ppt_y"/>
+                                          </p:val>
+                                        </p:tav>
+                                      </p:tavLst>
+                                    </p:anim>
+                                  </p:childTnLst>
+                                </p:cTn>
+                              </p:par>
+                            </p:childTnLst>
+                          </p:cTn>
+                        </p:par>
+                      </p:childTnLst>
+                    </p:cTn>
+                  </p:par>
+                  <p:par>
+                    <p:cTn id="26" fill="hold">
+                      <p:stCondLst>
+                        <p:cond delay="indefinite"/>
+                      </p:stCondLst>
+                      <p:childTnLst>
+                        <p:par>
+                          <p:cTn id="27" fill="hold">
+                            <p:stCondLst>
+                              <p:cond delay="0"/>
+                            </p:stCondLst>
+                            <p:childTnLst>
+                              <p:par>
+                                <p:cTn id="28" presetID="2" presetClass="entr" presetSubtype="4" fill="hold" nodeType="clickEffect">
+                                  <p:stCondLst>
+                                    <p:cond delay="0"/>
+                                  </p:stCondLst>
+                                  <p:childTnLst>
+                                    <p:set>
+                                      <p:cBhvr>
+                                        <p:cTn id="29" dur="1" fill="hold">
+                                          <p:stCondLst>
+                                            <p:cond delay="0"/>
+                                          </p:stCondLst>
+                                        </p:cTn>
+                                        <p:tgtEl>
+                                          <p:spTgt spid="25"/>
+                                        </p:tgtEl>
+                                        <p:attrNameLst>
+                                          <p:attrName>style.visibility</p:attrName>
+                                        </p:attrNameLst>
+                                      </p:cBhvr>
+                                      <p:to>
+                                        <p:strVal val="visible"/>
+                                      </p:to>
+                                    </p:set>
+                                    <p:anim calcmode="lin" valueType="num">
+                                      <p:cBhvr additive="base">
+                                        <p:cTn id="30" dur="500" fill="hold"/>
+                                        <p:tgtEl>
+                                          <p:spTgt spid="25"/>
+                                        </p:tgtEl>
+                                        <p:attrNameLst>
+                                          <p:attrName>ppt_x</p:attrName>
+                                        </p:attrNameLst>
+                                      </p:cBhvr>
+                                      <p:tavLst>
+                                        <p:tav tm="0">
+                                          <p:val>
+                                            <p:strVal val="#ppt_x"/>
+                                          </p:val>
+                                        </p:tav>
+                                        <p:tav tm="100000">
+                                          <p:val>
+                                            <p:strVal val="#ppt_x"/>
+                                          </p:val>
+                                        </p:tav>
+                                      </p:tavLst>
+                                    </p:anim>
+                                    <p:anim calcmode="lin" valueType="num">
+                                      <p:cBhvr additive="base">
+                                        <p:cTn id="31" dur="500" fill="hold"/>
+                                        <p:tgtEl>
+                                          <p:spTgt spid="25"/>
+                                        </p:tgtEl>
+                                        <p:attrNameLst>
+                                          <p:attrName>ppt_y</p:attrName>
+                                        </p:attrNameLst>
+                                      </p:cBhvr>
+                                      <p:tavLst>
+                                        <p:tav tm="0">
+                                          <p:val>
+                                            <p:strVal val="1+#ppt_h/2"/>
+                                          </p:val>
+                                        </p:tav>
+                                        <p:tav tm="100000">
+                                          <p:val>
+                                            <p:strVal val="#ppt_y"/>
+                                          </p:val>
+                                        </p:tav>
+                                      </p:tavLst>
+                                    </p:anim>
+                                  </p:childTnLst>
+                                </p:cTn>
+                              </p:par>
+                            </p:childTnLst>
+                          </p:cTn>
+                        </p:par>
+                      </p:childTnLst>
+                    </p:cTn>
+                  </p:par>
+                  <p:par>
+                    <p:cTn id="32" fill="hold">
+                      <p:stCondLst>
+                        <p:cond delay="indefinite"/>
+                      </p:stCondLst>
+                      <p:childTnLst>
+                        <p:par>
+                          <p:cTn id="33" fill="hold">
+                            <p:stCondLst>
+                              <p:cond delay="0"/>
+                            </p:stCondLst>
+                            <p:childTnLst>
+                              <p:par>
+                                <p:cTn id="34" presetID="2" presetClass="entr" presetSubtype="4" fill="hold" nodeType="clickEffect">
+                                  <p:stCondLst>
+                                    <p:cond delay="0"/>
+                                  </p:stCondLst>
+                                  <p:childTnLst>
+                                    <p:set>
+                                      <p:cBhvr>
+                                        <p:cTn id="35" dur="1" fill="hold">
+                                          <p:stCondLst>
+                                            <p:cond delay="0"/>
+                                          </p:stCondLst>
+                                        </p:cTn>
+                                        <p:tgtEl>
+                                          <p:spTgt spid="29"/>
+                                        </p:tgtEl>
+                                        <p:attrNameLst>
+                                          <p:attrName>style.visibility</p:attrName>
+                                        </p:attrNameLst>
+                                      </p:cBhvr>
+                                      <p:to>
+                                        <p:strVal val="visible"/>
+                                      </p:to>
+                                    </p:set>
+                                    <p:anim calcmode="lin" valueType="num">
+                                      <p:cBhvr additive="base">
+                                        <p:cTn id="36" dur="500" fill="hold"/>
+                                        <p:tgtEl>
+                                          <p:spTgt spid="29"/>
+                                        </p:tgtEl>
+                                        <p:attrNameLst>
+                                          <p:attrName>ppt_x</p:attrName>
+                                        </p:attrNameLst>
+                                      </p:cBhvr>
+                                      <p:tavLst>
+                                        <p:tav tm="0">
+                                          <p:val>
+                                            <p:strVal val="#ppt_x"/>
+                                          </p:val>
+                                        </p:tav>
+                                        <p:tav tm="100000">
+                                          <p:val>
+                                            <p:strVal val="#ppt_x"/>
+                                          </p:val>
+                                        </p:tav>
+                                      </p:tavLst>
+                                    </p:anim>
+                                    <p:anim calcmode="lin" valueType="num">
+                                      <p:cBhvr additive="base">
+                                        <p:cTn id="37" dur="500" fill="hold"/>
+                                        <p:tgtEl>
+                                          <p:spTgt spid="29"/>
+                                        </p:tgtEl>
+                                        <p:attrNameLst>
+                                          <p:attrName>ppt_y</p:attrName>
+                                        </p:attrNameLst>
+                                      </p:cBhvr>
+                                      <p:tavLst>
+                                        <p:tav tm="0">
+                                          <p:val>
+                                            <p:strVal val="1+#ppt_h/2"/>
+                                          </p:val>
+                                        </p:tav>
+                                        <p:tav tm="100000">
+                                          <p:val>
+                                            <p:strVal val="#ppt_y"/>
+                                          </p:val>
+                                        </p:tav>
+                                      </p:tavLst>
+                                    </p:anim>
+                                  </p:childTnLst>
+                                </p:cTn>
+                              </p:par>
+                            </p:childTnLst>
+                          </p:cTn>
+                        </p:par>
+                      </p:childTnLst>
+                    </p:cTn>
+                  </p:par>
+                </p:childTnLst>
+              </p:cTn>
+              <p:prevCondLst>
+                <p:cond evt="onPrev" delay="0">
+                  <p:tgtEl>
+                    <p:sldTgt/>
+                  </p:tgtEl>
+                </p:cond>
+              </p:prevCondLst>
+              <p:nextCondLst>
+                <p:cond evt="onNext" delay="0">
+                  <p:tgtEl>
+                    <p:sldTgt/>
+                  </p:tgtEl>
+                </p:cond>
+              </p:nextCondLst>
+            </p:seq>
+          </p:childTnLst>
+        </p:cTn>
+      </p:par>
+    </p:tnLst>
+  </p:timing>
 </p:sld>
 </file>
 
